--- a/ppt 16-9/0392.想.pptx
+++ b/ppt 16-9/0392.想.pptx
@@ -5,7 +5,7 @@
     <p:sldMasterId id="2147483648" r:id="rId1"/>
   </p:sldMasterIdLst>
   <p:sldIdLst>
-    <p:sldId id="3316" r:id="rId2"/>
+    <p:sldId id="3317" r:id="rId2"/>
   </p:sldIdLst>
   <p:sldSz cx="12192000" cy="6858000"/>
   <p:notesSz cx="6858000" cy="9144000"/>
@@ -129,7 +129,7 @@
           <p:cNvPr id="2" name="标题 1">
             <a:extLst>
               <a:ext uri="{FF2B5EF4-FFF2-40B4-BE49-F238E27FC236}">
-                <a16:creationId xmlns:a16="http://schemas.microsoft.com/office/drawing/2014/main" id="{9FCF29D2-DBE4-4CC1-3825-19F60A899E3C}"/>
+                <a16:creationId xmlns:a16="http://schemas.microsoft.com/office/drawing/2014/main" id="{25571405-4C50-ADD4-CFB5-F916F24F3EF3}"/>
               </a:ext>
             </a:extLst>
           </p:cNvPr>
@@ -166,7 +166,7 @@
           <p:cNvPr id="3" name="副标题 2">
             <a:extLst>
               <a:ext uri="{FF2B5EF4-FFF2-40B4-BE49-F238E27FC236}">
-                <a16:creationId xmlns:a16="http://schemas.microsoft.com/office/drawing/2014/main" id="{7B08FF4C-2B40-B137-86F1-C7CE07A02F91}"/>
+                <a16:creationId xmlns:a16="http://schemas.microsoft.com/office/drawing/2014/main" id="{75A9A986-5EF1-22BD-CB46-3EF755BAB239}"/>
               </a:ext>
             </a:extLst>
           </p:cNvPr>
@@ -236,7 +236,7 @@
           <p:cNvPr id="4" name="日期占位符 3">
             <a:extLst>
               <a:ext uri="{FF2B5EF4-FFF2-40B4-BE49-F238E27FC236}">
-                <a16:creationId xmlns:a16="http://schemas.microsoft.com/office/drawing/2014/main" id="{6966D54D-1243-2575-455C-5D5F2472024E}"/>
+                <a16:creationId xmlns:a16="http://schemas.microsoft.com/office/drawing/2014/main" id="{7AB3F754-9C85-D1D0-969F-B6A9E781CCBA}"/>
               </a:ext>
             </a:extLst>
           </p:cNvPr>
@@ -252,7 +252,7 @@
           <a:bodyPr/>
           <a:lstStyle/>
           <a:p>
-            <a:fld id="{F857F472-EB70-474C-81AD-CDEE441D7F6A}" type="datetimeFigureOut">
+            <a:fld id="{A9AF0DB7-E5F3-477C-88C5-09373A445B05}" type="datetimeFigureOut">
               <a:rPr lang="zh-CN" altLang="en-US" smtClean="0"/>
               <a:t>2024/3/10</a:t>
             </a:fld>
@@ -265,7 +265,7 @@
           <p:cNvPr id="5" name="页脚占位符 4">
             <a:extLst>
               <a:ext uri="{FF2B5EF4-FFF2-40B4-BE49-F238E27FC236}">
-                <a16:creationId xmlns:a16="http://schemas.microsoft.com/office/drawing/2014/main" id="{2A20A124-74D1-C665-605D-9E68B2E46392}"/>
+                <a16:creationId xmlns:a16="http://schemas.microsoft.com/office/drawing/2014/main" id="{ABCFFB2F-2EE9-3B7E-3059-B9C334D2072D}"/>
               </a:ext>
             </a:extLst>
           </p:cNvPr>
@@ -290,7 +290,7 @@
           <p:cNvPr id="6" name="灯片编号占位符 5">
             <a:extLst>
               <a:ext uri="{FF2B5EF4-FFF2-40B4-BE49-F238E27FC236}">
-                <a16:creationId xmlns:a16="http://schemas.microsoft.com/office/drawing/2014/main" id="{E1602B48-C3EC-779E-7D26-4D9F21309E67}"/>
+                <a16:creationId xmlns:a16="http://schemas.microsoft.com/office/drawing/2014/main" id="{6A53C460-BEC6-23B9-EEA0-C5A266EDF933}"/>
               </a:ext>
             </a:extLst>
           </p:cNvPr>
@@ -306,7 +306,7 @@
           <a:bodyPr/>
           <a:lstStyle/>
           <a:p>
-            <a:fld id="{4D911A2E-8FB4-43A9-832C-556466B60BFA}" type="slidenum">
+            <a:fld id="{BB736EE8-6CAA-479E-972B-F5F02D1621B9}" type="slidenum">
               <a:rPr lang="zh-CN" altLang="en-US" smtClean="0"/>
               <a:t>‹#›</a:t>
             </a:fld>
@@ -317,7 +317,7 @@
     </p:spTree>
     <p:extLst>
       <p:ext uri="{BB962C8B-B14F-4D97-AF65-F5344CB8AC3E}">
-        <p14:creationId xmlns:p14="http://schemas.microsoft.com/office/powerpoint/2010/main" val="1791707808"/>
+        <p14:creationId xmlns:p14="http://schemas.microsoft.com/office/powerpoint/2010/main" val="1939711644"/>
       </p:ext>
     </p:extLst>
   </p:cSld>
@@ -349,7 +349,7 @@
           <p:cNvPr id="2" name="标题 1">
             <a:extLst>
               <a:ext uri="{FF2B5EF4-FFF2-40B4-BE49-F238E27FC236}">
-                <a16:creationId xmlns:a16="http://schemas.microsoft.com/office/drawing/2014/main" id="{828A71C5-80B2-A1A0-8702-3BB92E00D8D7}"/>
+                <a16:creationId xmlns:a16="http://schemas.microsoft.com/office/drawing/2014/main" id="{BBE633B0-872D-5076-0CAD-790C751BFCE0}"/>
               </a:ext>
             </a:extLst>
           </p:cNvPr>
@@ -377,7 +377,7 @@
           <p:cNvPr id="3" name="竖排文字占位符 2">
             <a:extLst>
               <a:ext uri="{FF2B5EF4-FFF2-40B4-BE49-F238E27FC236}">
-                <a16:creationId xmlns:a16="http://schemas.microsoft.com/office/drawing/2014/main" id="{B3614E07-1476-CD7E-08AE-DE797343894F}"/>
+                <a16:creationId xmlns:a16="http://schemas.microsoft.com/office/drawing/2014/main" id="{1AF7A8DC-AD0C-25E8-3E48-8BD7150FDCC0}"/>
               </a:ext>
             </a:extLst>
           </p:cNvPr>
@@ -434,7 +434,7 @@
           <p:cNvPr id="4" name="日期占位符 3">
             <a:extLst>
               <a:ext uri="{FF2B5EF4-FFF2-40B4-BE49-F238E27FC236}">
-                <a16:creationId xmlns:a16="http://schemas.microsoft.com/office/drawing/2014/main" id="{A1AD6320-F7F0-C680-88A5-E65340209E4D}"/>
+                <a16:creationId xmlns:a16="http://schemas.microsoft.com/office/drawing/2014/main" id="{0D5AC3B8-1C4C-057A-9B84-B9B50D172D6E}"/>
               </a:ext>
             </a:extLst>
           </p:cNvPr>
@@ -450,7 +450,7 @@
           <a:bodyPr/>
           <a:lstStyle/>
           <a:p>
-            <a:fld id="{F857F472-EB70-474C-81AD-CDEE441D7F6A}" type="datetimeFigureOut">
+            <a:fld id="{A9AF0DB7-E5F3-477C-88C5-09373A445B05}" type="datetimeFigureOut">
               <a:rPr lang="zh-CN" altLang="en-US" smtClean="0"/>
               <a:t>2024/3/10</a:t>
             </a:fld>
@@ -463,7 +463,7 @@
           <p:cNvPr id="5" name="页脚占位符 4">
             <a:extLst>
               <a:ext uri="{FF2B5EF4-FFF2-40B4-BE49-F238E27FC236}">
-                <a16:creationId xmlns:a16="http://schemas.microsoft.com/office/drawing/2014/main" id="{28961F1F-030D-1BB9-B02B-F7713CFE1FD4}"/>
+                <a16:creationId xmlns:a16="http://schemas.microsoft.com/office/drawing/2014/main" id="{97E44FE9-014C-CF2E-8552-8E853B11D275}"/>
               </a:ext>
             </a:extLst>
           </p:cNvPr>
@@ -488,7 +488,7 @@
           <p:cNvPr id="6" name="灯片编号占位符 5">
             <a:extLst>
               <a:ext uri="{FF2B5EF4-FFF2-40B4-BE49-F238E27FC236}">
-                <a16:creationId xmlns:a16="http://schemas.microsoft.com/office/drawing/2014/main" id="{1279186A-4D20-6AB4-E141-F605A68AE8EC}"/>
+                <a16:creationId xmlns:a16="http://schemas.microsoft.com/office/drawing/2014/main" id="{05441B8E-8F68-3FAA-DDE9-F1AFCA2D4925}"/>
               </a:ext>
             </a:extLst>
           </p:cNvPr>
@@ -504,7 +504,7 @@
           <a:bodyPr/>
           <a:lstStyle/>
           <a:p>
-            <a:fld id="{4D911A2E-8FB4-43A9-832C-556466B60BFA}" type="slidenum">
+            <a:fld id="{BB736EE8-6CAA-479E-972B-F5F02D1621B9}" type="slidenum">
               <a:rPr lang="zh-CN" altLang="en-US" smtClean="0"/>
               <a:t>‹#›</a:t>
             </a:fld>
@@ -515,7 +515,7 @@
     </p:spTree>
     <p:extLst>
       <p:ext uri="{BB962C8B-B14F-4D97-AF65-F5344CB8AC3E}">
-        <p14:creationId xmlns:p14="http://schemas.microsoft.com/office/powerpoint/2010/main" val="3624429404"/>
+        <p14:creationId xmlns:p14="http://schemas.microsoft.com/office/powerpoint/2010/main" val="2950406011"/>
       </p:ext>
     </p:extLst>
   </p:cSld>
@@ -547,7 +547,7 @@
           <p:cNvPr id="2" name="竖排标题 1">
             <a:extLst>
               <a:ext uri="{FF2B5EF4-FFF2-40B4-BE49-F238E27FC236}">
-                <a16:creationId xmlns:a16="http://schemas.microsoft.com/office/drawing/2014/main" id="{D0ACE509-FE32-A9F6-9667-ED9F19CD5EFD}"/>
+                <a16:creationId xmlns:a16="http://schemas.microsoft.com/office/drawing/2014/main" id="{3C18107C-60D6-CAE4-6AEB-4E5AEC2A2ECE}"/>
               </a:ext>
             </a:extLst>
           </p:cNvPr>
@@ -580,7 +580,7 @@
           <p:cNvPr id="3" name="竖排文字占位符 2">
             <a:extLst>
               <a:ext uri="{FF2B5EF4-FFF2-40B4-BE49-F238E27FC236}">
-                <a16:creationId xmlns:a16="http://schemas.microsoft.com/office/drawing/2014/main" id="{6CCEFC2C-ABD3-F853-0D0D-F4CFCDE41BB7}"/>
+                <a16:creationId xmlns:a16="http://schemas.microsoft.com/office/drawing/2014/main" id="{E8BD5801-3066-DD41-EB09-43BCF8866E0B}"/>
               </a:ext>
             </a:extLst>
           </p:cNvPr>
@@ -642,7 +642,7 @@
           <p:cNvPr id="4" name="日期占位符 3">
             <a:extLst>
               <a:ext uri="{FF2B5EF4-FFF2-40B4-BE49-F238E27FC236}">
-                <a16:creationId xmlns:a16="http://schemas.microsoft.com/office/drawing/2014/main" id="{66AC10E3-74F0-AE0C-219B-44609A626F01}"/>
+                <a16:creationId xmlns:a16="http://schemas.microsoft.com/office/drawing/2014/main" id="{ED71C0DE-2EBB-83B3-1125-CDBE18418755}"/>
               </a:ext>
             </a:extLst>
           </p:cNvPr>
@@ -658,7 +658,7 @@
           <a:bodyPr/>
           <a:lstStyle/>
           <a:p>
-            <a:fld id="{F857F472-EB70-474C-81AD-CDEE441D7F6A}" type="datetimeFigureOut">
+            <a:fld id="{A9AF0DB7-E5F3-477C-88C5-09373A445B05}" type="datetimeFigureOut">
               <a:rPr lang="zh-CN" altLang="en-US" smtClean="0"/>
               <a:t>2024/3/10</a:t>
             </a:fld>
@@ -671,7 +671,7 @@
           <p:cNvPr id="5" name="页脚占位符 4">
             <a:extLst>
               <a:ext uri="{FF2B5EF4-FFF2-40B4-BE49-F238E27FC236}">
-                <a16:creationId xmlns:a16="http://schemas.microsoft.com/office/drawing/2014/main" id="{D1F71F3B-2330-0826-31FE-2FABFAF47BA0}"/>
+                <a16:creationId xmlns:a16="http://schemas.microsoft.com/office/drawing/2014/main" id="{7BFBCD44-8C4B-70CE-CBDB-60FB12119CA3}"/>
               </a:ext>
             </a:extLst>
           </p:cNvPr>
@@ -696,7 +696,7 @@
           <p:cNvPr id="6" name="灯片编号占位符 5">
             <a:extLst>
               <a:ext uri="{FF2B5EF4-FFF2-40B4-BE49-F238E27FC236}">
-                <a16:creationId xmlns:a16="http://schemas.microsoft.com/office/drawing/2014/main" id="{E1F3148B-03F1-94BB-4A3F-46D11100AC03}"/>
+                <a16:creationId xmlns:a16="http://schemas.microsoft.com/office/drawing/2014/main" id="{0CC8C4F9-5B2A-7A1E-1E04-264DF0FE2008}"/>
               </a:ext>
             </a:extLst>
           </p:cNvPr>
@@ -712,7 +712,7 @@
           <a:bodyPr/>
           <a:lstStyle/>
           <a:p>
-            <a:fld id="{4D911A2E-8FB4-43A9-832C-556466B60BFA}" type="slidenum">
+            <a:fld id="{BB736EE8-6CAA-479E-972B-F5F02D1621B9}" type="slidenum">
               <a:rPr lang="zh-CN" altLang="en-US" smtClean="0"/>
               <a:t>‹#›</a:t>
             </a:fld>
@@ -723,7 +723,7 @@
     </p:spTree>
     <p:extLst>
       <p:ext uri="{BB962C8B-B14F-4D97-AF65-F5344CB8AC3E}">
-        <p14:creationId xmlns:p14="http://schemas.microsoft.com/office/powerpoint/2010/main" val="351244869"/>
+        <p14:creationId xmlns:p14="http://schemas.microsoft.com/office/powerpoint/2010/main" val="3708167637"/>
       </p:ext>
     </p:extLst>
   </p:cSld>
@@ -755,7 +755,7 @@
           <p:cNvPr id="2" name="标题 1">
             <a:extLst>
               <a:ext uri="{FF2B5EF4-FFF2-40B4-BE49-F238E27FC236}">
-                <a16:creationId xmlns:a16="http://schemas.microsoft.com/office/drawing/2014/main" id="{7A7D385C-9838-48B2-6872-CFFFBC5DFEB7}"/>
+                <a16:creationId xmlns:a16="http://schemas.microsoft.com/office/drawing/2014/main" id="{05A2D382-11AA-A1BA-AA64-2C7F594960B7}"/>
               </a:ext>
             </a:extLst>
           </p:cNvPr>
@@ -783,7 +783,7 @@
           <p:cNvPr id="3" name="内容占位符 2">
             <a:extLst>
               <a:ext uri="{FF2B5EF4-FFF2-40B4-BE49-F238E27FC236}">
-                <a16:creationId xmlns:a16="http://schemas.microsoft.com/office/drawing/2014/main" id="{1F6EB9FD-EAA0-E9EE-8229-DCF131DEFED3}"/>
+                <a16:creationId xmlns:a16="http://schemas.microsoft.com/office/drawing/2014/main" id="{F5D8AB84-E1EB-88C1-2545-F61DD962E5EC}"/>
               </a:ext>
             </a:extLst>
           </p:cNvPr>
@@ -840,7 +840,7 @@
           <p:cNvPr id="4" name="日期占位符 3">
             <a:extLst>
               <a:ext uri="{FF2B5EF4-FFF2-40B4-BE49-F238E27FC236}">
-                <a16:creationId xmlns:a16="http://schemas.microsoft.com/office/drawing/2014/main" id="{8D800A93-2E90-3BC6-2BA2-A304C6753589}"/>
+                <a16:creationId xmlns:a16="http://schemas.microsoft.com/office/drawing/2014/main" id="{676DE1C2-AA47-FF74-E536-ED63BDA5A420}"/>
               </a:ext>
             </a:extLst>
           </p:cNvPr>
@@ -856,7 +856,7 @@
           <a:bodyPr/>
           <a:lstStyle/>
           <a:p>
-            <a:fld id="{F857F472-EB70-474C-81AD-CDEE441D7F6A}" type="datetimeFigureOut">
+            <a:fld id="{A9AF0DB7-E5F3-477C-88C5-09373A445B05}" type="datetimeFigureOut">
               <a:rPr lang="zh-CN" altLang="en-US" smtClean="0"/>
               <a:t>2024/3/10</a:t>
             </a:fld>
@@ -869,7 +869,7 @@
           <p:cNvPr id="5" name="页脚占位符 4">
             <a:extLst>
               <a:ext uri="{FF2B5EF4-FFF2-40B4-BE49-F238E27FC236}">
-                <a16:creationId xmlns:a16="http://schemas.microsoft.com/office/drawing/2014/main" id="{C9612C7B-97E1-54D0-4187-39F98F8F35C4}"/>
+                <a16:creationId xmlns:a16="http://schemas.microsoft.com/office/drawing/2014/main" id="{34F97D6E-C641-F8C0-72AC-F52EF3A5F070}"/>
               </a:ext>
             </a:extLst>
           </p:cNvPr>
@@ -894,7 +894,7 @@
           <p:cNvPr id="6" name="灯片编号占位符 5">
             <a:extLst>
               <a:ext uri="{FF2B5EF4-FFF2-40B4-BE49-F238E27FC236}">
-                <a16:creationId xmlns:a16="http://schemas.microsoft.com/office/drawing/2014/main" id="{3B90B2E8-B674-8AC7-839C-FA5579154F5F}"/>
+                <a16:creationId xmlns:a16="http://schemas.microsoft.com/office/drawing/2014/main" id="{1CAE68CE-252A-AAB4-7001-6FEEEDF97848}"/>
               </a:ext>
             </a:extLst>
           </p:cNvPr>
@@ -910,7 +910,7 @@
           <a:bodyPr/>
           <a:lstStyle/>
           <a:p>
-            <a:fld id="{4D911A2E-8FB4-43A9-832C-556466B60BFA}" type="slidenum">
+            <a:fld id="{BB736EE8-6CAA-479E-972B-F5F02D1621B9}" type="slidenum">
               <a:rPr lang="zh-CN" altLang="en-US" smtClean="0"/>
               <a:t>‹#›</a:t>
             </a:fld>
@@ -921,7 +921,7 @@
     </p:spTree>
     <p:extLst>
       <p:ext uri="{BB962C8B-B14F-4D97-AF65-F5344CB8AC3E}">
-        <p14:creationId xmlns:p14="http://schemas.microsoft.com/office/powerpoint/2010/main" val="2091931001"/>
+        <p14:creationId xmlns:p14="http://schemas.microsoft.com/office/powerpoint/2010/main" val="1354090428"/>
       </p:ext>
     </p:extLst>
   </p:cSld>
@@ -953,7 +953,7 @@
           <p:cNvPr id="2" name="标题 1">
             <a:extLst>
               <a:ext uri="{FF2B5EF4-FFF2-40B4-BE49-F238E27FC236}">
-                <a16:creationId xmlns:a16="http://schemas.microsoft.com/office/drawing/2014/main" id="{5938AFF6-0674-15E6-E0F5-429710723CF8}"/>
+                <a16:creationId xmlns:a16="http://schemas.microsoft.com/office/drawing/2014/main" id="{62B14236-470B-9E88-B3CA-F314AD979F4A}"/>
               </a:ext>
             </a:extLst>
           </p:cNvPr>
@@ -990,7 +990,7 @@
           <p:cNvPr id="3" name="文本占位符 2">
             <a:extLst>
               <a:ext uri="{FF2B5EF4-FFF2-40B4-BE49-F238E27FC236}">
-                <a16:creationId xmlns:a16="http://schemas.microsoft.com/office/drawing/2014/main" id="{9D56185D-22B2-0625-9326-53E9118CAD78}"/>
+                <a16:creationId xmlns:a16="http://schemas.microsoft.com/office/drawing/2014/main" id="{BB70A9A1-5C14-DBA1-770A-5924BDD28B93}"/>
               </a:ext>
             </a:extLst>
           </p:cNvPr>
@@ -1115,7 +1115,7 @@
           <p:cNvPr id="4" name="日期占位符 3">
             <a:extLst>
               <a:ext uri="{FF2B5EF4-FFF2-40B4-BE49-F238E27FC236}">
-                <a16:creationId xmlns:a16="http://schemas.microsoft.com/office/drawing/2014/main" id="{6AA3F18A-6144-B7E6-4D7B-6FD71A23D610}"/>
+                <a16:creationId xmlns:a16="http://schemas.microsoft.com/office/drawing/2014/main" id="{81231F66-B659-D800-1297-BF20447F539A}"/>
               </a:ext>
             </a:extLst>
           </p:cNvPr>
@@ -1131,7 +1131,7 @@
           <a:bodyPr/>
           <a:lstStyle/>
           <a:p>
-            <a:fld id="{F857F472-EB70-474C-81AD-CDEE441D7F6A}" type="datetimeFigureOut">
+            <a:fld id="{A9AF0DB7-E5F3-477C-88C5-09373A445B05}" type="datetimeFigureOut">
               <a:rPr lang="zh-CN" altLang="en-US" smtClean="0"/>
               <a:t>2024/3/10</a:t>
             </a:fld>
@@ -1144,7 +1144,7 @@
           <p:cNvPr id="5" name="页脚占位符 4">
             <a:extLst>
               <a:ext uri="{FF2B5EF4-FFF2-40B4-BE49-F238E27FC236}">
-                <a16:creationId xmlns:a16="http://schemas.microsoft.com/office/drawing/2014/main" id="{60DEA172-C7E9-2F9D-73D8-87E1CAC46DFA}"/>
+                <a16:creationId xmlns:a16="http://schemas.microsoft.com/office/drawing/2014/main" id="{1E3FF2A5-EDF8-AFAF-2A18-90759DC70A27}"/>
               </a:ext>
             </a:extLst>
           </p:cNvPr>
@@ -1169,7 +1169,7 @@
           <p:cNvPr id="6" name="灯片编号占位符 5">
             <a:extLst>
               <a:ext uri="{FF2B5EF4-FFF2-40B4-BE49-F238E27FC236}">
-                <a16:creationId xmlns:a16="http://schemas.microsoft.com/office/drawing/2014/main" id="{17199C1D-6A32-9012-61EB-953F0157B202}"/>
+                <a16:creationId xmlns:a16="http://schemas.microsoft.com/office/drawing/2014/main" id="{FC315A77-2C20-0544-AF68-96270331BCDE}"/>
               </a:ext>
             </a:extLst>
           </p:cNvPr>
@@ -1185,7 +1185,7 @@
           <a:bodyPr/>
           <a:lstStyle/>
           <a:p>
-            <a:fld id="{4D911A2E-8FB4-43A9-832C-556466B60BFA}" type="slidenum">
+            <a:fld id="{BB736EE8-6CAA-479E-972B-F5F02D1621B9}" type="slidenum">
               <a:rPr lang="zh-CN" altLang="en-US" smtClean="0"/>
               <a:t>‹#›</a:t>
             </a:fld>
@@ -1196,7 +1196,7 @@
     </p:spTree>
     <p:extLst>
       <p:ext uri="{BB962C8B-B14F-4D97-AF65-F5344CB8AC3E}">
-        <p14:creationId xmlns:p14="http://schemas.microsoft.com/office/powerpoint/2010/main" val="411085892"/>
+        <p14:creationId xmlns:p14="http://schemas.microsoft.com/office/powerpoint/2010/main" val="1668141978"/>
       </p:ext>
     </p:extLst>
   </p:cSld>
@@ -1228,7 +1228,7 @@
           <p:cNvPr id="2" name="标题 1">
             <a:extLst>
               <a:ext uri="{FF2B5EF4-FFF2-40B4-BE49-F238E27FC236}">
-                <a16:creationId xmlns:a16="http://schemas.microsoft.com/office/drawing/2014/main" id="{D1BDB338-9397-4E5D-86D2-8C5D1B60E079}"/>
+                <a16:creationId xmlns:a16="http://schemas.microsoft.com/office/drawing/2014/main" id="{8B7863F3-BA88-F792-56A4-68BFBD41CA2E}"/>
               </a:ext>
             </a:extLst>
           </p:cNvPr>
@@ -1256,7 +1256,7 @@
           <p:cNvPr id="3" name="内容占位符 2">
             <a:extLst>
               <a:ext uri="{FF2B5EF4-FFF2-40B4-BE49-F238E27FC236}">
-                <a16:creationId xmlns:a16="http://schemas.microsoft.com/office/drawing/2014/main" id="{791D531B-7D5E-1EF9-3DB3-F09DE0DE6008}"/>
+                <a16:creationId xmlns:a16="http://schemas.microsoft.com/office/drawing/2014/main" id="{687AED37-57B5-B9A5-BB35-256F9EA613B9}"/>
               </a:ext>
             </a:extLst>
           </p:cNvPr>
@@ -1318,7 +1318,7 @@
           <p:cNvPr id="4" name="内容占位符 3">
             <a:extLst>
               <a:ext uri="{FF2B5EF4-FFF2-40B4-BE49-F238E27FC236}">
-                <a16:creationId xmlns:a16="http://schemas.microsoft.com/office/drawing/2014/main" id="{D41341FE-FFFF-DA1C-FA81-6BE0FDEA58A4}"/>
+                <a16:creationId xmlns:a16="http://schemas.microsoft.com/office/drawing/2014/main" id="{70059F87-04C7-8F3C-0C74-9E1EEBB8BA10}"/>
               </a:ext>
             </a:extLst>
           </p:cNvPr>
@@ -1380,7 +1380,7 @@
           <p:cNvPr id="5" name="日期占位符 4">
             <a:extLst>
               <a:ext uri="{FF2B5EF4-FFF2-40B4-BE49-F238E27FC236}">
-                <a16:creationId xmlns:a16="http://schemas.microsoft.com/office/drawing/2014/main" id="{18857436-BD7B-1680-11CE-86F9A8B17A6A}"/>
+                <a16:creationId xmlns:a16="http://schemas.microsoft.com/office/drawing/2014/main" id="{8F60A291-6B57-C656-7A1F-790FE2675386}"/>
               </a:ext>
             </a:extLst>
           </p:cNvPr>
@@ -1396,7 +1396,7 @@
           <a:bodyPr/>
           <a:lstStyle/>
           <a:p>
-            <a:fld id="{F857F472-EB70-474C-81AD-CDEE441D7F6A}" type="datetimeFigureOut">
+            <a:fld id="{A9AF0DB7-E5F3-477C-88C5-09373A445B05}" type="datetimeFigureOut">
               <a:rPr lang="zh-CN" altLang="en-US" smtClean="0"/>
               <a:t>2024/3/10</a:t>
             </a:fld>
@@ -1409,7 +1409,7 @@
           <p:cNvPr id="6" name="页脚占位符 5">
             <a:extLst>
               <a:ext uri="{FF2B5EF4-FFF2-40B4-BE49-F238E27FC236}">
-                <a16:creationId xmlns:a16="http://schemas.microsoft.com/office/drawing/2014/main" id="{2AADD02A-3F39-699F-733D-C300210BBBF7}"/>
+                <a16:creationId xmlns:a16="http://schemas.microsoft.com/office/drawing/2014/main" id="{F24B9B34-BFE3-C3D9-4FB6-B39522A91749}"/>
               </a:ext>
             </a:extLst>
           </p:cNvPr>
@@ -1434,7 +1434,7 @@
           <p:cNvPr id="7" name="灯片编号占位符 6">
             <a:extLst>
               <a:ext uri="{FF2B5EF4-FFF2-40B4-BE49-F238E27FC236}">
-                <a16:creationId xmlns:a16="http://schemas.microsoft.com/office/drawing/2014/main" id="{3C6BAD3F-9F2B-710E-4FD8-323BA6731E3C}"/>
+                <a16:creationId xmlns:a16="http://schemas.microsoft.com/office/drawing/2014/main" id="{F805C411-FA81-F1E0-BF75-72F544A981E9}"/>
               </a:ext>
             </a:extLst>
           </p:cNvPr>
@@ -1450,7 +1450,7 @@
           <a:bodyPr/>
           <a:lstStyle/>
           <a:p>
-            <a:fld id="{4D911A2E-8FB4-43A9-832C-556466B60BFA}" type="slidenum">
+            <a:fld id="{BB736EE8-6CAA-479E-972B-F5F02D1621B9}" type="slidenum">
               <a:rPr lang="zh-CN" altLang="en-US" smtClean="0"/>
               <a:t>‹#›</a:t>
             </a:fld>
@@ -1461,7 +1461,7 @@
     </p:spTree>
     <p:extLst>
       <p:ext uri="{BB962C8B-B14F-4D97-AF65-F5344CB8AC3E}">
-        <p14:creationId xmlns:p14="http://schemas.microsoft.com/office/powerpoint/2010/main" val="184818488"/>
+        <p14:creationId xmlns:p14="http://schemas.microsoft.com/office/powerpoint/2010/main" val="2166484644"/>
       </p:ext>
     </p:extLst>
   </p:cSld>
@@ -1493,7 +1493,7 @@
           <p:cNvPr id="2" name="标题 1">
             <a:extLst>
               <a:ext uri="{FF2B5EF4-FFF2-40B4-BE49-F238E27FC236}">
-                <a16:creationId xmlns:a16="http://schemas.microsoft.com/office/drawing/2014/main" id="{D5DEC5F3-F37A-F564-FBB6-97597C513124}"/>
+                <a16:creationId xmlns:a16="http://schemas.microsoft.com/office/drawing/2014/main" id="{4CBC81F0-0024-CA6E-3A72-D6508C9312E5}"/>
               </a:ext>
             </a:extLst>
           </p:cNvPr>
@@ -1526,7 +1526,7 @@
           <p:cNvPr id="3" name="文本占位符 2">
             <a:extLst>
               <a:ext uri="{FF2B5EF4-FFF2-40B4-BE49-F238E27FC236}">
-                <a16:creationId xmlns:a16="http://schemas.microsoft.com/office/drawing/2014/main" id="{BE60C9AF-1A47-B6FB-96D0-7979197182F0}"/>
+                <a16:creationId xmlns:a16="http://schemas.microsoft.com/office/drawing/2014/main" id="{8C8D514B-51C9-C7CF-7067-013685CECE8E}"/>
               </a:ext>
             </a:extLst>
           </p:cNvPr>
@@ -1597,7 +1597,7 @@
           <p:cNvPr id="4" name="内容占位符 3">
             <a:extLst>
               <a:ext uri="{FF2B5EF4-FFF2-40B4-BE49-F238E27FC236}">
-                <a16:creationId xmlns:a16="http://schemas.microsoft.com/office/drawing/2014/main" id="{B48183E5-6C0D-C93E-21E7-6AC3B67877C5}"/>
+                <a16:creationId xmlns:a16="http://schemas.microsoft.com/office/drawing/2014/main" id="{B34A7AF3-41C1-BA27-75C5-7940366ECF1E}"/>
               </a:ext>
             </a:extLst>
           </p:cNvPr>
@@ -1659,7 +1659,7 @@
           <p:cNvPr id="5" name="文本占位符 4">
             <a:extLst>
               <a:ext uri="{FF2B5EF4-FFF2-40B4-BE49-F238E27FC236}">
-                <a16:creationId xmlns:a16="http://schemas.microsoft.com/office/drawing/2014/main" id="{78C890E5-22D6-EF85-5BBC-13781A275A91}"/>
+                <a16:creationId xmlns:a16="http://schemas.microsoft.com/office/drawing/2014/main" id="{B862713D-6DF5-6FC1-1C89-BF3B239B921E}"/>
               </a:ext>
             </a:extLst>
           </p:cNvPr>
@@ -1730,7 +1730,7 @@
           <p:cNvPr id="6" name="内容占位符 5">
             <a:extLst>
               <a:ext uri="{FF2B5EF4-FFF2-40B4-BE49-F238E27FC236}">
-                <a16:creationId xmlns:a16="http://schemas.microsoft.com/office/drawing/2014/main" id="{9111406D-B769-1E73-F7AA-28A8E316FA2B}"/>
+                <a16:creationId xmlns:a16="http://schemas.microsoft.com/office/drawing/2014/main" id="{E918A926-AE63-44E7-67F4-85BD273C5279}"/>
               </a:ext>
             </a:extLst>
           </p:cNvPr>
@@ -1792,7 +1792,7 @@
           <p:cNvPr id="7" name="日期占位符 6">
             <a:extLst>
               <a:ext uri="{FF2B5EF4-FFF2-40B4-BE49-F238E27FC236}">
-                <a16:creationId xmlns:a16="http://schemas.microsoft.com/office/drawing/2014/main" id="{CB4C74CD-264E-A9E4-DFF6-8C6BF5780177}"/>
+                <a16:creationId xmlns:a16="http://schemas.microsoft.com/office/drawing/2014/main" id="{74C31FDD-51B4-43C7-E2C3-F5CA610A534B}"/>
               </a:ext>
             </a:extLst>
           </p:cNvPr>
@@ -1808,7 +1808,7 @@
           <a:bodyPr/>
           <a:lstStyle/>
           <a:p>
-            <a:fld id="{F857F472-EB70-474C-81AD-CDEE441D7F6A}" type="datetimeFigureOut">
+            <a:fld id="{A9AF0DB7-E5F3-477C-88C5-09373A445B05}" type="datetimeFigureOut">
               <a:rPr lang="zh-CN" altLang="en-US" smtClean="0"/>
               <a:t>2024/3/10</a:t>
             </a:fld>
@@ -1821,7 +1821,7 @@
           <p:cNvPr id="8" name="页脚占位符 7">
             <a:extLst>
               <a:ext uri="{FF2B5EF4-FFF2-40B4-BE49-F238E27FC236}">
-                <a16:creationId xmlns:a16="http://schemas.microsoft.com/office/drawing/2014/main" id="{7D0F64ED-FC91-081A-199D-F0F74C31D941}"/>
+                <a16:creationId xmlns:a16="http://schemas.microsoft.com/office/drawing/2014/main" id="{FB1C28B0-BBDF-A743-0547-05B220CE4C35}"/>
               </a:ext>
             </a:extLst>
           </p:cNvPr>
@@ -1846,7 +1846,7 @@
           <p:cNvPr id="9" name="灯片编号占位符 8">
             <a:extLst>
               <a:ext uri="{FF2B5EF4-FFF2-40B4-BE49-F238E27FC236}">
-                <a16:creationId xmlns:a16="http://schemas.microsoft.com/office/drawing/2014/main" id="{A24FBA9F-6062-00DE-6483-6002FCB02E9E}"/>
+                <a16:creationId xmlns:a16="http://schemas.microsoft.com/office/drawing/2014/main" id="{05459162-464D-AED9-F816-051062E7D79E}"/>
               </a:ext>
             </a:extLst>
           </p:cNvPr>
@@ -1862,7 +1862,7 @@
           <a:bodyPr/>
           <a:lstStyle/>
           <a:p>
-            <a:fld id="{4D911A2E-8FB4-43A9-832C-556466B60BFA}" type="slidenum">
+            <a:fld id="{BB736EE8-6CAA-479E-972B-F5F02D1621B9}" type="slidenum">
               <a:rPr lang="zh-CN" altLang="en-US" smtClean="0"/>
               <a:t>‹#›</a:t>
             </a:fld>
@@ -1873,7 +1873,7 @@
     </p:spTree>
     <p:extLst>
       <p:ext uri="{BB962C8B-B14F-4D97-AF65-F5344CB8AC3E}">
-        <p14:creationId xmlns:p14="http://schemas.microsoft.com/office/powerpoint/2010/main" val="4028807411"/>
+        <p14:creationId xmlns:p14="http://schemas.microsoft.com/office/powerpoint/2010/main" val="2361923106"/>
       </p:ext>
     </p:extLst>
   </p:cSld>
@@ -1905,7 +1905,7 @@
           <p:cNvPr id="2" name="标题 1">
             <a:extLst>
               <a:ext uri="{FF2B5EF4-FFF2-40B4-BE49-F238E27FC236}">
-                <a16:creationId xmlns:a16="http://schemas.microsoft.com/office/drawing/2014/main" id="{ED1ABAF9-CBC7-6F18-503D-5B6102013B38}"/>
+                <a16:creationId xmlns:a16="http://schemas.microsoft.com/office/drawing/2014/main" id="{E520B3D2-CC08-9C69-2CA7-867181C00BAB}"/>
               </a:ext>
             </a:extLst>
           </p:cNvPr>
@@ -1933,7 +1933,7 @@
           <p:cNvPr id="3" name="日期占位符 2">
             <a:extLst>
               <a:ext uri="{FF2B5EF4-FFF2-40B4-BE49-F238E27FC236}">
-                <a16:creationId xmlns:a16="http://schemas.microsoft.com/office/drawing/2014/main" id="{69C76E61-7630-325A-20CC-BD8AAEE0EEB7}"/>
+                <a16:creationId xmlns:a16="http://schemas.microsoft.com/office/drawing/2014/main" id="{E68ED052-AB83-1D8E-B80B-F51C5299E038}"/>
               </a:ext>
             </a:extLst>
           </p:cNvPr>
@@ -1949,7 +1949,7 @@
           <a:bodyPr/>
           <a:lstStyle/>
           <a:p>
-            <a:fld id="{F857F472-EB70-474C-81AD-CDEE441D7F6A}" type="datetimeFigureOut">
+            <a:fld id="{A9AF0DB7-E5F3-477C-88C5-09373A445B05}" type="datetimeFigureOut">
               <a:rPr lang="zh-CN" altLang="en-US" smtClean="0"/>
               <a:t>2024/3/10</a:t>
             </a:fld>
@@ -1962,7 +1962,7 @@
           <p:cNvPr id="4" name="页脚占位符 3">
             <a:extLst>
               <a:ext uri="{FF2B5EF4-FFF2-40B4-BE49-F238E27FC236}">
-                <a16:creationId xmlns:a16="http://schemas.microsoft.com/office/drawing/2014/main" id="{E6AC61E8-AAB2-D9F9-4703-40861E13303F}"/>
+                <a16:creationId xmlns:a16="http://schemas.microsoft.com/office/drawing/2014/main" id="{EDA32661-4484-D674-0232-3E978CD063D5}"/>
               </a:ext>
             </a:extLst>
           </p:cNvPr>
@@ -1987,7 +1987,7 @@
           <p:cNvPr id="5" name="灯片编号占位符 4">
             <a:extLst>
               <a:ext uri="{FF2B5EF4-FFF2-40B4-BE49-F238E27FC236}">
-                <a16:creationId xmlns:a16="http://schemas.microsoft.com/office/drawing/2014/main" id="{8B229D4B-C4BB-BCA2-C18E-804DF0EC7FE5}"/>
+                <a16:creationId xmlns:a16="http://schemas.microsoft.com/office/drawing/2014/main" id="{D9AE53C0-D831-06F1-F983-4771C8914295}"/>
               </a:ext>
             </a:extLst>
           </p:cNvPr>
@@ -2003,7 +2003,7 @@
           <a:bodyPr/>
           <a:lstStyle/>
           <a:p>
-            <a:fld id="{4D911A2E-8FB4-43A9-832C-556466B60BFA}" type="slidenum">
+            <a:fld id="{BB736EE8-6CAA-479E-972B-F5F02D1621B9}" type="slidenum">
               <a:rPr lang="zh-CN" altLang="en-US" smtClean="0"/>
               <a:t>‹#›</a:t>
             </a:fld>
@@ -2014,7 +2014,7 @@
     </p:spTree>
     <p:extLst>
       <p:ext uri="{BB962C8B-B14F-4D97-AF65-F5344CB8AC3E}">
-        <p14:creationId xmlns:p14="http://schemas.microsoft.com/office/powerpoint/2010/main" val="2280013642"/>
+        <p14:creationId xmlns:p14="http://schemas.microsoft.com/office/powerpoint/2010/main" val="2893890710"/>
       </p:ext>
     </p:extLst>
   </p:cSld>
@@ -2046,7 +2046,7 @@
           <p:cNvPr id="2" name="日期占位符 1">
             <a:extLst>
               <a:ext uri="{FF2B5EF4-FFF2-40B4-BE49-F238E27FC236}">
-                <a16:creationId xmlns:a16="http://schemas.microsoft.com/office/drawing/2014/main" id="{9C73C01B-AB64-8151-A28A-110644F4AAFC}"/>
+                <a16:creationId xmlns:a16="http://schemas.microsoft.com/office/drawing/2014/main" id="{7F559CFE-5B3D-5D7E-5F58-758719952B2B}"/>
               </a:ext>
             </a:extLst>
           </p:cNvPr>
@@ -2062,7 +2062,7 @@
           <a:bodyPr/>
           <a:lstStyle/>
           <a:p>
-            <a:fld id="{F857F472-EB70-474C-81AD-CDEE441D7F6A}" type="datetimeFigureOut">
+            <a:fld id="{A9AF0DB7-E5F3-477C-88C5-09373A445B05}" type="datetimeFigureOut">
               <a:rPr lang="zh-CN" altLang="en-US" smtClean="0"/>
               <a:t>2024/3/10</a:t>
             </a:fld>
@@ -2075,7 +2075,7 @@
           <p:cNvPr id="3" name="页脚占位符 2">
             <a:extLst>
               <a:ext uri="{FF2B5EF4-FFF2-40B4-BE49-F238E27FC236}">
-                <a16:creationId xmlns:a16="http://schemas.microsoft.com/office/drawing/2014/main" id="{00024A66-E635-2E08-F405-C254D8A4FEBC}"/>
+                <a16:creationId xmlns:a16="http://schemas.microsoft.com/office/drawing/2014/main" id="{73D4ABF6-5D42-AED0-F04C-18388B8FF5A2}"/>
               </a:ext>
             </a:extLst>
           </p:cNvPr>
@@ -2100,7 +2100,7 @@
           <p:cNvPr id="4" name="灯片编号占位符 3">
             <a:extLst>
               <a:ext uri="{FF2B5EF4-FFF2-40B4-BE49-F238E27FC236}">
-                <a16:creationId xmlns:a16="http://schemas.microsoft.com/office/drawing/2014/main" id="{A056BF7D-00D0-F0FC-AE42-8ED2959344F7}"/>
+                <a16:creationId xmlns:a16="http://schemas.microsoft.com/office/drawing/2014/main" id="{18781DF2-4340-A801-F62C-EFE7DE138D3C}"/>
               </a:ext>
             </a:extLst>
           </p:cNvPr>
@@ -2116,7 +2116,7 @@
           <a:bodyPr/>
           <a:lstStyle/>
           <a:p>
-            <a:fld id="{4D911A2E-8FB4-43A9-832C-556466B60BFA}" type="slidenum">
+            <a:fld id="{BB736EE8-6CAA-479E-972B-F5F02D1621B9}" type="slidenum">
               <a:rPr lang="zh-CN" altLang="en-US" smtClean="0"/>
               <a:t>‹#›</a:t>
             </a:fld>
@@ -2127,7 +2127,7 @@
     </p:spTree>
     <p:extLst>
       <p:ext uri="{BB962C8B-B14F-4D97-AF65-F5344CB8AC3E}">
-        <p14:creationId xmlns:p14="http://schemas.microsoft.com/office/powerpoint/2010/main" val="715904971"/>
+        <p14:creationId xmlns:p14="http://schemas.microsoft.com/office/powerpoint/2010/main" val="4059745640"/>
       </p:ext>
     </p:extLst>
   </p:cSld>
@@ -2159,7 +2159,7 @@
           <p:cNvPr id="2" name="标题 1">
             <a:extLst>
               <a:ext uri="{FF2B5EF4-FFF2-40B4-BE49-F238E27FC236}">
-                <a16:creationId xmlns:a16="http://schemas.microsoft.com/office/drawing/2014/main" id="{F3B69AD3-6050-1B53-C016-D8067C5808C3}"/>
+                <a16:creationId xmlns:a16="http://schemas.microsoft.com/office/drawing/2014/main" id="{2CF93882-669B-E971-FA98-159D54900C90}"/>
               </a:ext>
             </a:extLst>
           </p:cNvPr>
@@ -2196,7 +2196,7 @@
           <p:cNvPr id="3" name="内容占位符 2">
             <a:extLst>
               <a:ext uri="{FF2B5EF4-FFF2-40B4-BE49-F238E27FC236}">
-                <a16:creationId xmlns:a16="http://schemas.microsoft.com/office/drawing/2014/main" id="{AB75FD09-C04E-1C1B-A534-9991CA6F928C}"/>
+                <a16:creationId xmlns:a16="http://schemas.microsoft.com/office/drawing/2014/main" id="{116C54EF-6AC5-A378-0C42-657FA14E3C07}"/>
               </a:ext>
             </a:extLst>
           </p:cNvPr>
@@ -2286,7 +2286,7 @@
           <p:cNvPr id="4" name="文本占位符 3">
             <a:extLst>
               <a:ext uri="{FF2B5EF4-FFF2-40B4-BE49-F238E27FC236}">
-                <a16:creationId xmlns:a16="http://schemas.microsoft.com/office/drawing/2014/main" id="{28878FA4-4D99-AD51-8EFB-9A6A2C44CC23}"/>
+                <a16:creationId xmlns:a16="http://schemas.microsoft.com/office/drawing/2014/main" id="{A19B792D-AE3D-3129-C13E-851B9A4F1C79}"/>
               </a:ext>
             </a:extLst>
           </p:cNvPr>
@@ -2357,7 +2357,7 @@
           <p:cNvPr id="5" name="日期占位符 4">
             <a:extLst>
               <a:ext uri="{FF2B5EF4-FFF2-40B4-BE49-F238E27FC236}">
-                <a16:creationId xmlns:a16="http://schemas.microsoft.com/office/drawing/2014/main" id="{7F8E3A19-8972-E149-B9A0-50AB16CA75C9}"/>
+                <a16:creationId xmlns:a16="http://schemas.microsoft.com/office/drawing/2014/main" id="{EBC6331E-4206-A468-D90C-D19EFA39AE7E}"/>
               </a:ext>
             </a:extLst>
           </p:cNvPr>
@@ -2373,7 +2373,7 @@
           <a:bodyPr/>
           <a:lstStyle/>
           <a:p>
-            <a:fld id="{F857F472-EB70-474C-81AD-CDEE441D7F6A}" type="datetimeFigureOut">
+            <a:fld id="{A9AF0DB7-E5F3-477C-88C5-09373A445B05}" type="datetimeFigureOut">
               <a:rPr lang="zh-CN" altLang="en-US" smtClean="0"/>
               <a:t>2024/3/10</a:t>
             </a:fld>
@@ -2386,7 +2386,7 @@
           <p:cNvPr id="6" name="页脚占位符 5">
             <a:extLst>
               <a:ext uri="{FF2B5EF4-FFF2-40B4-BE49-F238E27FC236}">
-                <a16:creationId xmlns:a16="http://schemas.microsoft.com/office/drawing/2014/main" id="{7F5DA758-4700-DB0A-6713-6AB29C0EF5FC}"/>
+                <a16:creationId xmlns:a16="http://schemas.microsoft.com/office/drawing/2014/main" id="{B19BA26D-1D9B-6C79-1660-364E8A950DD5}"/>
               </a:ext>
             </a:extLst>
           </p:cNvPr>
@@ -2411,7 +2411,7 @@
           <p:cNvPr id="7" name="灯片编号占位符 6">
             <a:extLst>
               <a:ext uri="{FF2B5EF4-FFF2-40B4-BE49-F238E27FC236}">
-                <a16:creationId xmlns:a16="http://schemas.microsoft.com/office/drawing/2014/main" id="{F2562467-2D3A-AD8A-0D4E-157AA153C879}"/>
+                <a16:creationId xmlns:a16="http://schemas.microsoft.com/office/drawing/2014/main" id="{CD2AB811-1951-A112-0562-D4BF6075709F}"/>
               </a:ext>
             </a:extLst>
           </p:cNvPr>
@@ -2427,7 +2427,7 @@
           <a:bodyPr/>
           <a:lstStyle/>
           <a:p>
-            <a:fld id="{4D911A2E-8FB4-43A9-832C-556466B60BFA}" type="slidenum">
+            <a:fld id="{BB736EE8-6CAA-479E-972B-F5F02D1621B9}" type="slidenum">
               <a:rPr lang="zh-CN" altLang="en-US" smtClean="0"/>
               <a:t>‹#›</a:t>
             </a:fld>
@@ -2438,7 +2438,7 @@
     </p:spTree>
     <p:extLst>
       <p:ext uri="{BB962C8B-B14F-4D97-AF65-F5344CB8AC3E}">
-        <p14:creationId xmlns:p14="http://schemas.microsoft.com/office/powerpoint/2010/main" val="3563762033"/>
+        <p14:creationId xmlns:p14="http://schemas.microsoft.com/office/powerpoint/2010/main" val="3118383803"/>
       </p:ext>
     </p:extLst>
   </p:cSld>
@@ -2470,7 +2470,7 @@
           <p:cNvPr id="2" name="标题 1">
             <a:extLst>
               <a:ext uri="{FF2B5EF4-FFF2-40B4-BE49-F238E27FC236}">
-                <a16:creationId xmlns:a16="http://schemas.microsoft.com/office/drawing/2014/main" id="{24D2E2D7-6916-E15A-7C84-4B4BB111A009}"/>
+                <a16:creationId xmlns:a16="http://schemas.microsoft.com/office/drawing/2014/main" id="{431649BF-A51E-3B96-D01A-98464E4C2C01}"/>
               </a:ext>
             </a:extLst>
           </p:cNvPr>
@@ -2507,7 +2507,7 @@
           <p:cNvPr id="3" name="图片占位符 2">
             <a:extLst>
               <a:ext uri="{FF2B5EF4-FFF2-40B4-BE49-F238E27FC236}">
-                <a16:creationId xmlns:a16="http://schemas.microsoft.com/office/drawing/2014/main" id="{D42CCD2A-F2C1-B119-95A7-9FC065C5673C}"/>
+                <a16:creationId xmlns:a16="http://schemas.microsoft.com/office/drawing/2014/main" id="{80373ACC-5B2E-ED0F-9879-040881439500}"/>
               </a:ext>
             </a:extLst>
           </p:cNvPr>
@@ -2574,7 +2574,7 @@
           <p:cNvPr id="4" name="文本占位符 3">
             <a:extLst>
               <a:ext uri="{FF2B5EF4-FFF2-40B4-BE49-F238E27FC236}">
-                <a16:creationId xmlns:a16="http://schemas.microsoft.com/office/drawing/2014/main" id="{258A7C95-5EB9-9E2B-B91F-64E2BA597A1F}"/>
+                <a16:creationId xmlns:a16="http://schemas.microsoft.com/office/drawing/2014/main" id="{26B3B7CF-70C1-1662-EFD3-1BD38B3D2B00}"/>
               </a:ext>
             </a:extLst>
           </p:cNvPr>
@@ -2645,7 +2645,7 @@
           <p:cNvPr id="5" name="日期占位符 4">
             <a:extLst>
               <a:ext uri="{FF2B5EF4-FFF2-40B4-BE49-F238E27FC236}">
-                <a16:creationId xmlns:a16="http://schemas.microsoft.com/office/drawing/2014/main" id="{5B0E5EFB-2532-611E-DFFF-49D646BDAD57}"/>
+                <a16:creationId xmlns:a16="http://schemas.microsoft.com/office/drawing/2014/main" id="{FA904723-E1D2-9EBA-5E40-878DC1AA744F}"/>
               </a:ext>
             </a:extLst>
           </p:cNvPr>
@@ -2661,7 +2661,7 @@
           <a:bodyPr/>
           <a:lstStyle/>
           <a:p>
-            <a:fld id="{F857F472-EB70-474C-81AD-CDEE441D7F6A}" type="datetimeFigureOut">
+            <a:fld id="{A9AF0DB7-E5F3-477C-88C5-09373A445B05}" type="datetimeFigureOut">
               <a:rPr lang="zh-CN" altLang="en-US" smtClean="0"/>
               <a:t>2024/3/10</a:t>
             </a:fld>
@@ -2674,7 +2674,7 @@
           <p:cNvPr id="6" name="页脚占位符 5">
             <a:extLst>
               <a:ext uri="{FF2B5EF4-FFF2-40B4-BE49-F238E27FC236}">
-                <a16:creationId xmlns:a16="http://schemas.microsoft.com/office/drawing/2014/main" id="{68A0B64F-509F-EE6A-2BB2-906CFB86BE08}"/>
+                <a16:creationId xmlns:a16="http://schemas.microsoft.com/office/drawing/2014/main" id="{9CE1D583-2A36-BF75-4B7E-DFD27144630C}"/>
               </a:ext>
             </a:extLst>
           </p:cNvPr>
@@ -2699,7 +2699,7 @@
           <p:cNvPr id="7" name="灯片编号占位符 6">
             <a:extLst>
               <a:ext uri="{FF2B5EF4-FFF2-40B4-BE49-F238E27FC236}">
-                <a16:creationId xmlns:a16="http://schemas.microsoft.com/office/drawing/2014/main" id="{79148ABE-E224-32F9-ADFE-15764D238433}"/>
+                <a16:creationId xmlns:a16="http://schemas.microsoft.com/office/drawing/2014/main" id="{90982AC6-1543-DF12-BF26-7D70103779D9}"/>
               </a:ext>
             </a:extLst>
           </p:cNvPr>
@@ -2715,7 +2715,7 @@
           <a:bodyPr/>
           <a:lstStyle/>
           <a:p>
-            <a:fld id="{4D911A2E-8FB4-43A9-832C-556466B60BFA}" type="slidenum">
+            <a:fld id="{BB736EE8-6CAA-479E-972B-F5F02D1621B9}" type="slidenum">
               <a:rPr lang="zh-CN" altLang="en-US" smtClean="0"/>
               <a:t>‹#›</a:t>
             </a:fld>
@@ -2726,7 +2726,7 @@
     </p:spTree>
     <p:extLst>
       <p:ext uri="{BB962C8B-B14F-4D97-AF65-F5344CB8AC3E}">
-        <p14:creationId xmlns:p14="http://schemas.microsoft.com/office/powerpoint/2010/main" val="3532599022"/>
+        <p14:creationId xmlns:p14="http://schemas.microsoft.com/office/powerpoint/2010/main" val="3450858471"/>
       </p:ext>
     </p:extLst>
   </p:cSld>
@@ -2763,7 +2763,7 @@
           <p:cNvPr id="2" name="标题占位符 1">
             <a:extLst>
               <a:ext uri="{FF2B5EF4-FFF2-40B4-BE49-F238E27FC236}">
-                <a16:creationId xmlns:a16="http://schemas.microsoft.com/office/drawing/2014/main" id="{E7BBBA8D-2D2B-0B22-9F15-2279AFA5803C}"/>
+                <a16:creationId xmlns:a16="http://schemas.microsoft.com/office/drawing/2014/main" id="{C7306183-3037-4C1E-E9C9-674CF50FF092}"/>
               </a:ext>
             </a:extLst>
           </p:cNvPr>
@@ -2801,7 +2801,7 @@
           <p:cNvPr id="3" name="文本占位符 2">
             <a:extLst>
               <a:ext uri="{FF2B5EF4-FFF2-40B4-BE49-F238E27FC236}">
-                <a16:creationId xmlns:a16="http://schemas.microsoft.com/office/drawing/2014/main" id="{938B4E46-3C0C-8C6B-0909-9615F1EB30B8}"/>
+                <a16:creationId xmlns:a16="http://schemas.microsoft.com/office/drawing/2014/main" id="{AA662F71-E2F1-27D5-3518-34D3ADBC565F}"/>
               </a:ext>
             </a:extLst>
           </p:cNvPr>
@@ -2868,7 +2868,7 @@
           <p:cNvPr id="4" name="日期占位符 3">
             <a:extLst>
               <a:ext uri="{FF2B5EF4-FFF2-40B4-BE49-F238E27FC236}">
-                <a16:creationId xmlns:a16="http://schemas.microsoft.com/office/drawing/2014/main" id="{FEF6FB75-74D4-0278-F4DB-4C39AF7559B1}"/>
+                <a16:creationId xmlns:a16="http://schemas.microsoft.com/office/drawing/2014/main" id="{348B5FBB-FE83-FEA0-F3F5-EECD0BF91BC5}"/>
               </a:ext>
             </a:extLst>
           </p:cNvPr>
@@ -2902,7 +2902,7 @@
             </a:lvl1pPr>
           </a:lstStyle>
           <a:p>
-            <a:fld id="{F857F472-EB70-474C-81AD-CDEE441D7F6A}" type="datetimeFigureOut">
+            <a:fld id="{A9AF0DB7-E5F3-477C-88C5-09373A445B05}" type="datetimeFigureOut">
               <a:rPr lang="zh-CN" altLang="en-US" smtClean="0"/>
               <a:t>2024/3/10</a:t>
             </a:fld>
@@ -2915,7 +2915,7 @@
           <p:cNvPr id="5" name="页脚占位符 4">
             <a:extLst>
               <a:ext uri="{FF2B5EF4-FFF2-40B4-BE49-F238E27FC236}">
-                <a16:creationId xmlns:a16="http://schemas.microsoft.com/office/drawing/2014/main" id="{47DDA12D-25CF-6883-8536-7A51AA68D943}"/>
+                <a16:creationId xmlns:a16="http://schemas.microsoft.com/office/drawing/2014/main" id="{F989DA5F-96D3-815B-AB26-84013B4350A3}"/>
               </a:ext>
             </a:extLst>
           </p:cNvPr>
@@ -2958,7 +2958,7 @@
           <p:cNvPr id="6" name="灯片编号占位符 5">
             <a:extLst>
               <a:ext uri="{FF2B5EF4-FFF2-40B4-BE49-F238E27FC236}">
-                <a16:creationId xmlns:a16="http://schemas.microsoft.com/office/drawing/2014/main" id="{3D2B0FD8-320B-6BC9-8189-399070C4FB96}"/>
+                <a16:creationId xmlns:a16="http://schemas.microsoft.com/office/drawing/2014/main" id="{AA91A978-7DF4-D1AF-F190-EAB704158592}"/>
               </a:ext>
             </a:extLst>
           </p:cNvPr>
@@ -2992,7 +2992,7 @@
             </a:lvl1pPr>
           </a:lstStyle>
           <a:p>
-            <a:fld id="{4D911A2E-8FB4-43A9-832C-556466B60BFA}" type="slidenum">
+            <a:fld id="{BB736EE8-6CAA-479E-972B-F5F02D1621B9}" type="slidenum">
               <a:rPr lang="zh-CN" altLang="en-US" smtClean="0"/>
               <a:t>‹#›</a:t>
             </a:fld>
@@ -3003,7 +3003,7 @@
     </p:spTree>
     <p:extLst>
       <p:ext uri="{BB962C8B-B14F-4D97-AF65-F5344CB8AC3E}">
-        <p14:creationId xmlns:p14="http://schemas.microsoft.com/office/powerpoint/2010/main" val="1200626954"/>
+        <p14:creationId xmlns:p14="http://schemas.microsoft.com/office/powerpoint/2010/main" val="2188639921"/>
       </p:ext>
     </p:extLst>
   </p:cSld>
@@ -3323,7 +3323,7 @@
       </p:grpSpPr>
       <p:pic>
         <p:nvPicPr>
-          <p:cNvPr id="401410" name="Picture 2" descr="391"/>
+          <p:cNvPr id="402434" name="Picture 2" descr="392"/>
           <p:cNvPicPr>
             <a:picLocks noChangeAspect="1" noChangeArrowheads="1"/>
           </p:cNvPicPr>
@@ -3345,7 +3345,7 @@
         <p:spPr bwMode="auto">
           <a:xfrm>
             <a:off x="1524000" y="0"/>
-            <a:ext cx="9144000" cy="6859588"/>
+            <a:ext cx="9144000" cy="6858000"/>
           </a:xfrm>
           <a:prstGeom prst="rect">
             <a:avLst/>
